--- a/BDSE31第六組期末專題提案報告.pptx
+++ b/BDSE31第六組期末專題提案報告.pptx
@@ -27295,36 +27295,6 @@
       </p:sp>
       <p:pic>
         <p:nvPicPr>
-          <p:cNvPr id="18" name="圖片 17">
-            <a:extLst>
-              <a:ext uri="{FF2B5EF4-FFF2-40B4-BE49-F238E27FC236}">
-                <a16:creationId xmlns:a16="http://schemas.microsoft.com/office/drawing/2014/main" id="{B887404D-61AC-4982-AE6E-E19DBFC3F64F}"/>
-              </a:ext>
-            </a:extLst>
-          </p:cNvPr>
-          <p:cNvPicPr>
-            <a:picLocks noChangeAspect="1"/>
-          </p:cNvPicPr>
-          <p:nvPr/>
-        </p:nvPicPr>
-        <p:blipFill>
-          <a:blip r:embed="rId5"/>
-          <a:stretch>
-            <a:fillRect/>
-          </a:stretch>
-        </p:blipFill>
-        <p:spPr>
-          <a:xfrm>
-            <a:off x="5915025" y="3321050"/>
-            <a:ext cx="2495550" cy="1638300"/>
-          </a:xfrm>
-          <a:prstGeom prst="rect">
-            <a:avLst/>
-          </a:prstGeom>
-        </p:spPr>
-      </p:pic>
-      <p:pic>
-        <p:nvPicPr>
           <p:cNvPr id="20" name="圖片 19">
             <a:extLst>
               <a:ext uri="{FF2B5EF4-FFF2-40B4-BE49-F238E27FC236}">
@@ -27338,7 +27308,7 @@
           <p:nvPr/>
         </p:nvPicPr>
         <p:blipFill>
-          <a:blip r:embed="rId6"/>
+          <a:blip r:embed="rId5"/>
           <a:stretch>
             <a:fillRect/>
           </a:stretch>
@@ -27368,7 +27338,7 @@
           <p:nvPr/>
         </p:nvPicPr>
         <p:blipFill>
-          <a:blip r:embed="rId6"/>
+          <a:blip r:embed="rId5"/>
           <a:stretch>
             <a:fillRect/>
           </a:stretch>
@@ -27733,6 +27703,36 @@
           </a:p>
         </p:txBody>
       </p:sp>
+      <p:pic>
+        <p:nvPicPr>
+          <p:cNvPr id="2" name="圖片 1">
+            <a:extLst>
+              <a:ext uri="{FF2B5EF4-FFF2-40B4-BE49-F238E27FC236}">
+                <a16:creationId xmlns:a16="http://schemas.microsoft.com/office/drawing/2014/main" id="{90AA0C78-97A0-4378-AC36-0952ECA3B401}"/>
+              </a:ext>
+            </a:extLst>
+          </p:cNvPr>
+          <p:cNvPicPr>
+            <a:picLocks noChangeAspect="1"/>
+          </p:cNvPicPr>
+          <p:nvPr/>
+        </p:nvPicPr>
+        <p:blipFill>
+          <a:blip r:embed="rId6"/>
+          <a:stretch>
+            <a:fillRect/>
+          </a:stretch>
+        </p:blipFill>
+        <p:spPr>
+          <a:xfrm>
+            <a:off x="5798378" y="3263900"/>
+            <a:ext cx="2702830" cy="1723852"/>
+          </a:xfrm>
+          <a:prstGeom prst="rect">
+            <a:avLst/>
+          </a:prstGeom>
+        </p:spPr>
+      </p:pic>
     </p:spTree>
     <p:extLst>
       <p:ext uri="{BB962C8B-B14F-4D97-AF65-F5344CB8AC3E}">

--- a/BDSE31第六組期末專題提案報告.pptx
+++ b/BDSE31第六組期末專題提案報告.pptx
@@ -26,20 +26,27 @@
       <p:bold r:id="rId12"/>
     </p:embeddedFont>
     <p:embeddedFont>
-      <p:font typeface="Caveat Brush" panose="02020500000000000000" charset="0"/>
+      <p:font typeface="Didact Gothic" panose="020B0604020202020204" charset="0"/>
       <p:regular r:id="rId13"/>
     </p:embeddedFont>
     <p:embeddedFont>
-      <p:font typeface="Delius Swash Caps" panose="02020500000000000000" charset="0"/>
+      <p:font typeface="Caveat Brush" panose="020B0604020202020204" charset="0"/>
       <p:regular r:id="rId14"/>
     </p:embeddedFont>
     <p:embeddedFont>
-      <p:font typeface="Didact Gothic" panose="02020500000000000000" charset="0"/>
+      <p:font typeface="Open Sans" panose="020B0606030504020204" pitchFamily="34" charset="0"/>
       <p:regular r:id="rId15"/>
+      <p:bold r:id="rId16"/>
+      <p:italic r:id="rId17"/>
+      <p:boldItalic r:id="rId18"/>
     </p:embeddedFont>
     <p:embeddedFont>
-      <p:font typeface="Sacramento" panose="02020500000000000000" charset="0"/>
-      <p:regular r:id="rId16"/>
+      <p:font typeface="Sacramento" panose="020B0604020202020204" charset="0"/>
+      <p:regular r:id="rId19"/>
+    </p:embeddedFont>
+    <p:embeddedFont>
+      <p:font typeface="Delius Swash Caps" panose="020B0604020202020204" charset="0"/>
+      <p:regular r:id="rId20"/>
     </p:embeddedFont>
   </p:embeddedFontLst>
   <p:defaultTextStyle>
@@ -2526,6 +2533,11 @@
         </p:txBody>
       </p:sp>
     </p:spTree>
+    <p:extLst>
+      <p:ext uri="{BB962C8B-B14F-4D97-AF65-F5344CB8AC3E}">
+        <p14:creationId xmlns:p14="http://schemas.microsoft.com/office/powerpoint/2010/main" val="3349873470"/>
+      </p:ext>
+    </p:extLst>
   </p:cSld>
   <p:clrMap bg1="lt1" tx1="dk1" bg2="dk2" tx2="lt2" accent1="accent1" accent2="accent2" accent3="accent3" accent4="accent4" accent5="accent5" accent6="accent6" hlink="hlink" folHlink="folHlink"/>
   <p:notesStyle>
@@ -2966,6 +2978,11 @@
         </p:txBody>
       </p:sp>
     </p:spTree>
+    <p:extLst>
+      <p:ext uri="{BB962C8B-B14F-4D97-AF65-F5344CB8AC3E}">
+        <p14:creationId xmlns:p14="http://schemas.microsoft.com/office/powerpoint/2010/main" val="2517014697"/>
+      </p:ext>
+    </p:extLst>
   </p:cSld>
   <p:clrMapOvr>
     <a:masterClrMapping/>
@@ -3070,6 +3087,11 @@
         </p:txBody>
       </p:sp>
     </p:spTree>
+    <p:extLst>
+      <p:ext uri="{BB962C8B-B14F-4D97-AF65-F5344CB8AC3E}">
+        <p14:creationId xmlns:p14="http://schemas.microsoft.com/office/powerpoint/2010/main" val="2442866938"/>
+      </p:ext>
+    </p:extLst>
   </p:cSld>
   <p:clrMapOvr>
     <a:masterClrMapping/>
@@ -18903,7 +18925,7 @@
                 <a:hlinkClick r:id="rId5">
                   <a:extLst>
                     <a:ext uri="{A12FA001-AC4F-418D-AE19-62706E023703}">
-                      <ahyp:hlinkClr xmlns:ahyp="http://schemas.microsoft.com/office/drawing/2018/hyperlinkcolor" val="tx"/>
+                      <ahyp:hlinkClr xmlns:ahyp="http://schemas.microsoft.com/office/drawing/2018/hyperlinkcolor" xmlns="" val="tx"/>
                     </a:ext>
                   </a:extLst>
                 </a:hlinkClick>
@@ -18937,7 +18959,7 @@
                 <a:hlinkClick r:id="rId6">
                   <a:extLst>
                     <a:ext uri="{A12FA001-AC4F-418D-AE19-62706E023703}">
-                      <ahyp:hlinkClr xmlns:ahyp="http://schemas.microsoft.com/office/drawing/2018/hyperlinkcolor" val="tx"/>
+                      <ahyp:hlinkClr xmlns:ahyp="http://schemas.microsoft.com/office/drawing/2018/hyperlinkcolor" xmlns="" val="tx"/>
                     </a:ext>
                   </a:extLst>
                 </a:hlinkClick>
@@ -26012,7 +26034,7 @@
           <p:cNvPr id="3" name="標題 2">
             <a:extLst>
               <a:ext uri="{FF2B5EF4-FFF2-40B4-BE49-F238E27FC236}">
-                <a16:creationId xmlns:a16="http://schemas.microsoft.com/office/drawing/2014/main" id="{E0A766A4-8903-4D16-B3C9-5402130B248D}"/>
+                <a16:creationId xmlns:a16="http://schemas.microsoft.com/office/drawing/2014/main" xmlns="" id="{E0A766A4-8903-4D16-B3C9-5402130B248D}"/>
               </a:ext>
             </a:extLst>
           </p:cNvPr>
@@ -26045,12 +26067,20 @@
               <a:rPr lang="zh-TW" altLang="en-US" sz="2000" dirty="0"/>
               <a:t>  </a:t>
             </a:r>
+            <a:r>
+              <a:rPr lang="en-US" altLang="zh-TW" sz="2000" dirty="0"/>
+              <a:t/>
+            </a:r>
             <a:br>
               <a:rPr lang="en-US" altLang="zh-TW" sz="2000" dirty="0"/>
             </a:br>
             <a:r>
               <a:rPr lang="zh-TW" altLang="en-US" sz="2000" dirty="0"/>
               <a:t>銀行是最好的融資管道</a:t>
+            </a:r>
+            <a:r>
+              <a:rPr lang="en-US" altLang="zh-TW" sz="2000" dirty="0"/>
+              <a:t/>
             </a:r>
             <a:br>
               <a:rPr lang="en-US" altLang="zh-TW" sz="2000" dirty="0"/>
@@ -26059,6 +26089,10 @@
               <a:rPr lang="zh-TW" altLang="en-US" sz="2000" dirty="0"/>
               <a:t>有好的信用才有更低的利率，</a:t>
             </a:r>
+            <a:r>
+              <a:rPr lang="en-US" altLang="zh-TW" sz="2000" dirty="0"/>
+              <a:t/>
+            </a:r>
             <a:br>
               <a:rPr lang="en-US" altLang="zh-TW" sz="2000" dirty="0"/>
             </a:br>
@@ -26066,9 +26100,17 @@
               <a:rPr lang="zh-TW" altLang="en-US" sz="2000" dirty="0"/>
               <a:t>代表有更多便宜的資金可以運用</a:t>
             </a:r>
+            <a:r>
+              <a:rPr lang="en-US" altLang="zh-TW" sz="2000" dirty="0"/>
+              <a:t/>
+            </a:r>
             <a:br>
               <a:rPr lang="en-US" altLang="zh-TW" sz="2000" dirty="0"/>
             </a:br>
+            <a:r>
+              <a:rPr lang="en-US" altLang="zh-TW" sz="2000" dirty="0"/>
+              <a:t/>
+            </a:r>
             <a:br>
               <a:rPr lang="en-US" altLang="zh-TW" sz="2000" dirty="0"/>
             </a:br>
@@ -26095,6 +26137,10 @@
               <a:rPr lang="zh-TW" altLang="en-US" sz="2000" dirty="0"/>
               <a:t>  財力證明、負債情況</a:t>
             </a:r>
+            <a:r>
+              <a:rPr lang="en-US" altLang="zh-TW" sz="2000" dirty="0"/>
+              <a:t/>
+            </a:r>
             <a:br>
               <a:rPr lang="en-US" altLang="zh-TW" sz="2000" dirty="0"/>
             </a:br>
@@ -26110,9 +26156,17 @@
               <a:rPr lang="zh-TW" altLang="en-US" sz="2000" dirty="0"/>
               <a:t>  是否準時還款</a:t>
             </a:r>
+            <a:r>
+              <a:rPr lang="en-US" altLang="zh-TW" sz="2000" dirty="0"/>
+              <a:t/>
+            </a:r>
             <a:br>
               <a:rPr lang="en-US" altLang="zh-TW" sz="2000" dirty="0"/>
             </a:br>
+            <a:r>
+              <a:rPr lang="en-US" altLang="zh-TW" sz="2000" dirty="0"/>
+              <a:t/>
+            </a:r>
             <a:br>
               <a:rPr lang="en-US" altLang="zh-TW" sz="2000" dirty="0"/>
             </a:br>
@@ -26136,7 +26190,7 @@
           <p:cNvPr id="4" name="Google Shape;234;p33">
             <a:extLst>
               <a:ext uri="{FF2B5EF4-FFF2-40B4-BE49-F238E27FC236}">
-                <a16:creationId xmlns:a16="http://schemas.microsoft.com/office/drawing/2014/main" id="{FB2319A6-9796-41C3-B7C5-EA833E5D8009}"/>
+                <a16:creationId xmlns:a16="http://schemas.microsoft.com/office/drawing/2014/main" xmlns="" id="{FB2319A6-9796-41C3-B7C5-EA833E5D8009}"/>
               </a:ext>
             </a:extLst>
           </p:cNvPr>
@@ -26472,7 +26526,7 @@
           <p:cNvPr id="3" name="標題 2">
             <a:extLst>
               <a:ext uri="{FF2B5EF4-FFF2-40B4-BE49-F238E27FC236}">
-                <a16:creationId xmlns:a16="http://schemas.microsoft.com/office/drawing/2014/main" id="{E0A766A4-8903-4D16-B3C9-5402130B248D}"/>
+                <a16:creationId xmlns:a16="http://schemas.microsoft.com/office/drawing/2014/main" xmlns="" id="{E0A766A4-8903-4D16-B3C9-5402130B248D}"/>
               </a:ext>
             </a:extLst>
           </p:cNvPr>
@@ -26497,6 +26551,10 @@
               <a:rPr lang="zh-TW" altLang="en-US" sz="2000" dirty="0"/>
               <a:t>藉由個人基本資料和信用卡使用情形來評級信用分數，輔助銀行判斷是否與該客戶往來。</a:t>
             </a:r>
+            <a:r>
+              <a:rPr lang="en-US" altLang="zh-TW" sz="2000" dirty="0"/>
+              <a:t/>
+            </a:r>
             <a:br>
               <a:rPr lang="en-US" altLang="zh-TW" sz="2000" dirty="0"/>
             </a:br>
@@ -26509,7 +26567,7 @@
           <p:cNvPr id="4" name="Google Shape;234;p33">
             <a:extLst>
               <a:ext uri="{FF2B5EF4-FFF2-40B4-BE49-F238E27FC236}">
-                <a16:creationId xmlns:a16="http://schemas.microsoft.com/office/drawing/2014/main" id="{FB2319A6-9796-41C3-B7C5-EA833E5D8009}"/>
+                <a16:creationId xmlns:a16="http://schemas.microsoft.com/office/drawing/2014/main" xmlns="" id="{FB2319A6-9796-41C3-B7C5-EA833E5D8009}"/>
               </a:ext>
             </a:extLst>
           </p:cNvPr>
@@ -26858,7 +26916,7 @@
           <p:cNvPr id="7" name="圖片 6">
             <a:extLst>
               <a:ext uri="{FF2B5EF4-FFF2-40B4-BE49-F238E27FC236}">
-                <a16:creationId xmlns:a16="http://schemas.microsoft.com/office/drawing/2014/main" id="{E27EB22F-6EEE-480D-9937-AE41BECEE5F0}"/>
+                <a16:creationId xmlns:a16="http://schemas.microsoft.com/office/drawing/2014/main" xmlns="" id="{E27EB22F-6EEE-480D-9937-AE41BECEE5F0}"/>
               </a:ext>
             </a:extLst>
           </p:cNvPr>
@@ -26888,7 +26946,7 @@
           <p:cNvPr id="10" name="圖片 9">
             <a:extLst>
               <a:ext uri="{FF2B5EF4-FFF2-40B4-BE49-F238E27FC236}">
-                <a16:creationId xmlns:a16="http://schemas.microsoft.com/office/drawing/2014/main" id="{235AF8C0-F334-4EE8-9230-1347B6C4E4D4}"/>
+                <a16:creationId xmlns:a16="http://schemas.microsoft.com/office/drawing/2014/main" xmlns="" id="{235AF8C0-F334-4EE8-9230-1347B6C4E4D4}"/>
               </a:ext>
             </a:extLst>
           </p:cNvPr>
@@ -26917,7 +26975,7 @@
           <p:cNvPr id="16" name="Google Shape;234;p33">
             <a:extLst>
               <a:ext uri="{FF2B5EF4-FFF2-40B4-BE49-F238E27FC236}">
-                <a16:creationId xmlns:a16="http://schemas.microsoft.com/office/drawing/2014/main" id="{865AEF73-6DFB-4DD6-A540-AA965D07F996}"/>
+                <a16:creationId xmlns:a16="http://schemas.microsoft.com/office/drawing/2014/main" xmlns="" id="{865AEF73-6DFB-4DD6-A540-AA965D07F996}"/>
               </a:ext>
             </a:extLst>
           </p:cNvPr>
@@ -27236,7 +27294,7 @@
           <p:cNvPr id="17" name="標題 2">
             <a:extLst>
               <a:ext uri="{FF2B5EF4-FFF2-40B4-BE49-F238E27FC236}">
-                <a16:creationId xmlns:a16="http://schemas.microsoft.com/office/drawing/2014/main" id="{399BBF58-85EE-42B0-8260-29793425065C}"/>
+                <a16:creationId xmlns:a16="http://schemas.microsoft.com/office/drawing/2014/main" xmlns="" id="{399BBF58-85EE-42B0-8260-29793425065C}"/>
               </a:ext>
             </a:extLst>
           </p:cNvPr>
@@ -27261,6 +27319,10 @@
             <a:r>
               <a:rPr lang="zh-TW" altLang="en-US" sz="1400" dirty="0"/>
               <a:t>個人基本資料</a:t>
+            </a:r>
+            <a:r>
+              <a:rPr lang="en-US" altLang="zh-TW" sz="1400" dirty="0"/>
+              <a:t/>
             </a:r>
             <a:br>
               <a:rPr lang="en-US" altLang="zh-TW" sz="1400" dirty="0"/>
@@ -27298,7 +27360,7 @@
           <p:cNvPr id="20" name="圖片 19">
             <a:extLst>
               <a:ext uri="{FF2B5EF4-FFF2-40B4-BE49-F238E27FC236}">
-                <a16:creationId xmlns:a16="http://schemas.microsoft.com/office/drawing/2014/main" id="{0E3AD79E-7FD6-47E1-A607-81E28522C9D9}"/>
+                <a16:creationId xmlns:a16="http://schemas.microsoft.com/office/drawing/2014/main" xmlns="" id="{0E3AD79E-7FD6-47E1-A607-81E28522C9D9}"/>
               </a:ext>
             </a:extLst>
           </p:cNvPr>
@@ -27328,7 +27390,7 @@
           <p:cNvPr id="21" name="圖片 20">
             <a:extLst>
               <a:ext uri="{FF2B5EF4-FFF2-40B4-BE49-F238E27FC236}">
-                <a16:creationId xmlns:a16="http://schemas.microsoft.com/office/drawing/2014/main" id="{B0DB6DEC-D994-4B7F-A104-AC89C1D9B475}"/>
+                <a16:creationId xmlns:a16="http://schemas.microsoft.com/office/drawing/2014/main" xmlns="" id="{B0DB6DEC-D994-4B7F-A104-AC89C1D9B475}"/>
               </a:ext>
             </a:extLst>
           </p:cNvPr>
@@ -27358,7 +27420,7 @@
           <p:cNvPr id="22" name="標題 2">
             <a:extLst>
               <a:ext uri="{FF2B5EF4-FFF2-40B4-BE49-F238E27FC236}">
-                <a16:creationId xmlns:a16="http://schemas.microsoft.com/office/drawing/2014/main" id="{2CFC4FAF-DFF4-4AAB-AE45-45B073359D95}"/>
+                <a16:creationId xmlns:a16="http://schemas.microsoft.com/office/drawing/2014/main" xmlns="" id="{2CFC4FAF-DFF4-4AAB-AE45-45B073359D95}"/>
               </a:ext>
             </a:extLst>
           </p:cNvPr>
@@ -27636,6 +27698,10 @@
             <a:r>
               <a:rPr lang="zh-TW" altLang="en-US" sz="1400" dirty="0"/>
               <a:t>信用卡繳款情形</a:t>
+            </a:r>
+            <a:r>
+              <a:rPr lang="en-US" altLang="zh-TW" sz="1400" dirty="0"/>
+              <a:t/>
             </a:r>
             <a:br>
               <a:rPr lang="en-US" altLang="zh-TW" sz="1400" dirty="0"/>
@@ -27708,7 +27774,7 @@
           <p:cNvPr id="2" name="圖片 1">
             <a:extLst>
               <a:ext uri="{FF2B5EF4-FFF2-40B4-BE49-F238E27FC236}">
-                <a16:creationId xmlns:a16="http://schemas.microsoft.com/office/drawing/2014/main" id="{90AA0C78-97A0-4378-AC36-0952ECA3B401}"/>
+                <a16:creationId xmlns:a16="http://schemas.microsoft.com/office/drawing/2014/main" xmlns="" id="{90AA0C78-97A0-4378-AC36-0952ECA3B401}"/>
               </a:ext>
             </a:extLst>
           </p:cNvPr>
@@ -27768,7 +27834,7 @@
           <p:cNvPr id="4" name="Google Shape;234;p33">
             <a:extLst>
               <a:ext uri="{FF2B5EF4-FFF2-40B4-BE49-F238E27FC236}">
-                <a16:creationId xmlns:a16="http://schemas.microsoft.com/office/drawing/2014/main" id="{FB2319A6-9796-41C3-B7C5-EA833E5D8009}"/>
+                <a16:creationId xmlns:a16="http://schemas.microsoft.com/office/drawing/2014/main" xmlns="" id="{FB2319A6-9796-41C3-B7C5-EA833E5D8009}"/>
               </a:ext>
             </a:extLst>
           </p:cNvPr>
@@ -28091,7 +28157,7 @@
           <p:cNvPr id="6" name="標題 2">
             <a:extLst>
               <a:ext uri="{FF2B5EF4-FFF2-40B4-BE49-F238E27FC236}">
-                <a16:creationId xmlns:a16="http://schemas.microsoft.com/office/drawing/2014/main" id="{0BADEC5A-79EB-4023-9F7B-ECC991AD5516}"/>
+                <a16:creationId xmlns:a16="http://schemas.microsoft.com/office/drawing/2014/main" xmlns="" id="{0BADEC5A-79EB-4023-9F7B-ECC991AD5516}"/>
               </a:ext>
             </a:extLst>
           </p:cNvPr>
@@ -28141,7 +28207,7 @@
           <p:cNvPr id="8" name="圖片 7">
             <a:extLst>
               <a:ext uri="{FF2B5EF4-FFF2-40B4-BE49-F238E27FC236}">
-                <a16:creationId xmlns:a16="http://schemas.microsoft.com/office/drawing/2014/main" id="{372EAC3F-A039-476C-BC0E-85C169AF7923}"/>
+                <a16:creationId xmlns:a16="http://schemas.microsoft.com/office/drawing/2014/main" xmlns="" id="{372EAC3F-A039-476C-BC0E-85C169AF7923}"/>
               </a:ext>
             </a:extLst>
           </p:cNvPr>
@@ -28158,8 +28224,8 @@
         </p:blipFill>
         <p:spPr>
           <a:xfrm>
-            <a:off x="553792" y="2689971"/>
-            <a:ext cx="3886145" cy="2367874"/>
+            <a:off x="936414" y="3489400"/>
+            <a:ext cx="2714702" cy="1654100"/>
           </a:xfrm>
           <a:prstGeom prst="rect">
             <a:avLst/>
@@ -28171,7 +28237,7 @@
           <p:cNvPr id="2" name="圖片 1">
             <a:extLst>
               <a:ext uri="{FF2B5EF4-FFF2-40B4-BE49-F238E27FC236}">
-                <a16:creationId xmlns:a16="http://schemas.microsoft.com/office/drawing/2014/main" id="{4E9E3366-D0EC-47A0-ABC2-21E9A8D5FA78}"/>
+                <a16:creationId xmlns:a16="http://schemas.microsoft.com/office/drawing/2014/main" xmlns="" id="{4E9E3366-D0EC-47A0-ABC2-21E9A8D5FA78}"/>
               </a:ext>
             </a:extLst>
           </p:cNvPr>
@@ -28196,6 +28262,301 @@
           </a:prstGeom>
         </p:spPr>
       </p:pic>
+      <p:sp>
+        <p:nvSpPr>
+          <p:cNvPr id="7" name="標題 2">
+            <a:extLst>
+              <a:ext uri="{FF2B5EF4-FFF2-40B4-BE49-F238E27FC236}">
+                <a16:creationId xmlns:a16="http://schemas.microsoft.com/office/drawing/2014/main" xmlns="" id="{0BADEC5A-79EB-4023-9F7B-ECC991AD5516}"/>
+              </a:ext>
+            </a:extLst>
+          </p:cNvPr>
+          <p:cNvSpPr txBox="1">
+            <a:spLocks/>
+          </p:cNvSpPr>
+          <p:nvPr/>
+        </p:nvSpPr>
+        <p:spPr>
+          <a:xfrm>
+            <a:off x="787255" y="2453530"/>
+            <a:ext cx="3754002" cy="814200"/>
+          </a:xfrm>
+          <a:prstGeom prst="rect">
+            <a:avLst/>
+          </a:prstGeom>
+          <a:noFill/>
+          <a:ln>
+            <a:noFill/>
+          </a:ln>
+        </p:spPr>
+        <p:txBody>
+          <a:bodyPr spcFirstLastPara="1" wrap="square" lIns="91425" tIns="91425" rIns="91425" bIns="91425" anchor="ctr" anchorCtr="0">
+            <a:noAutofit/>
+          </a:bodyPr>
+          <a:lstStyle>
+            <a:defPPr marR="0" lvl="0" algn="l" rtl="0">
+              <a:lnSpc>
+                <a:spcPct val="100000"/>
+              </a:lnSpc>
+              <a:spcBef>
+                <a:spcPts val="0"/>
+              </a:spcBef>
+              <a:spcAft>
+                <a:spcPts val="0"/>
+              </a:spcAft>
+            </a:defPPr>
+            <a:lvl1pPr marR="0" lvl="0" algn="l" rtl="0">
+              <a:lnSpc>
+                <a:spcPct val="100000"/>
+              </a:lnSpc>
+              <a:spcBef>
+                <a:spcPts val="0"/>
+              </a:spcBef>
+              <a:spcAft>
+                <a:spcPts val="0"/>
+              </a:spcAft>
+              <a:buClr>
+                <a:schemeClr val="dk1"/>
+              </a:buClr>
+              <a:buSzPts val="4200"/>
+              <a:buFont typeface="Caveat Brush"/>
+              <a:buNone/>
+              <a:defRPr sz="4800" b="0" i="0" u="none" strike="noStrike" cap="none">
+                <a:solidFill>
+                  <a:schemeClr val="dk1"/>
+                </a:solidFill>
+                <a:latin typeface="Caveat Brush"/>
+                <a:ea typeface="Caveat Brush"/>
+                <a:cs typeface="Caveat Brush"/>
+                <a:sym typeface="Caveat Brush"/>
+              </a:defRPr>
+            </a:lvl1pPr>
+            <a:lvl2pPr marR="0" lvl="1" algn="ctr" rtl="0">
+              <a:lnSpc>
+                <a:spcPct val="100000"/>
+              </a:lnSpc>
+              <a:spcBef>
+                <a:spcPts val="0"/>
+              </a:spcBef>
+              <a:spcAft>
+                <a:spcPts val="0"/>
+              </a:spcAft>
+              <a:buClr>
+                <a:schemeClr val="dk1"/>
+              </a:buClr>
+              <a:buSzPts val="4200"/>
+              <a:buFont typeface="Caveat Brush"/>
+              <a:buNone/>
+              <a:defRPr sz="4200" b="0" i="0" u="none" strike="noStrike" cap="none">
+                <a:solidFill>
+                  <a:schemeClr val="dk1"/>
+                </a:solidFill>
+                <a:latin typeface="Caveat Brush"/>
+                <a:ea typeface="Caveat Brush"/>
+                <a:cs typeface="Caveat Brush"/>
+                <a:sym typeface="Caveat Brush"/>
+              </a:defRPr>
+            </a:lvl2pPr>
+            <a:lvl3pPr marR="0" lvl="2" algn="ctr" rtl="0">
+              <a:lnSpc>
+                <a:spcPct val="100000"/>
+              </a:lnSpc>
+              <a:spcBef>
+                <a:spcPts val="0"/>
+              </a:spcBef>
+              <a:spcAft>
+                <a:spcPts val="0"/>
+              </a:spcAft>
+              <a:buClr>
+                <a:schemeClr val="dk1"/>
+              </a:buClr>
+              <a:buSzPts val="4200"/>
+              <a:buFont typeface="Caveat Brush"/>
+              <a:buNone/>
+              <a:defRPr sz="4200" b="0" i="0" u="none" strike="noStrike" cap="none">
+                <a:solidFill>
+                  <a:schemeClr val="dk1"/>
+                </a:solidFill>
+                <a:latin typeface="Caveat Brush"/>
+                <a:ea typeface="Caveat Brush"/>
+                <a:cs typeface="Caveat Brush"/>
+                <a:sym typeface="Caveat Brush"/>
+              </a:defRPr>
+            </a:lvl3pPr>
+            <a:lvl4pPr marR="0" lvl="3" algn="ctr" rtl="0">
+              <a:lnSpc>
+                <a:spcPct val="100000"/>
+              </a:lnSpc>
+              <a:spcBef>
+                <a:spcPts val="0"/>
+              </a:spcBef>
+              <a:spcAft>
+                <a:spcPts val="0"/>
+              </a:spcAft>
+              <a:buClr>
+                <a:schemeClr val="dk1"/>
+              </a:buClr>
+              <a:buSzPts val="4200"/>
+              <a:buFont typeface="Caveat Brush"/>
+              <a:buNone/>
+              <a:defRPr sz="4200" b="0" i="0" u="none" strike="noStrike" cap="none">
+                <a:solidFill>
+                  <a:schemeClr val="dk1"/>
+                </a:solidFill>
+                <a:latin typeface="Caveat Brush"/>
+                <a:ea typeface="Caveat Brush"/>
+                <a:cs typeface="Caveat Brush"/>
+                <a:sym typeface="Caveat Brush"/>
+              </a:defRPr>
+            </a:lvl4pPr>
+            <a:lvl5pPr marR="0" lvl="4" algn="ctr" rtl="0">
+              <a:lnSpc>
+                <a:spcPct val="100000"/>
+              </a:lnSpc>
+              <a:spcBef>
+                <a:spcPts val="0"/>
+              </a:spcBef>
+              <a:spcAft>
+                <a:spcPts val="0"/>
+              </a:spcAft>
+              <a:buClr>
+                <a:schemeClr val="dk1"/>
+              </a:buClr>
+              <a:buSzPts val="4200"/>
+              <a:buFont typeface="Caveat Brush"/>
+              <a:buNone/>
+              <a:defRPr sz="4200" b="0" i="0" u="none" strike="noStrike" cap="none">
+                <a:solidFill>
+                  <a:schemeClr val="dk1"/>
+                </a:solidFill>
+                <a:latin typeface="Caveat Brush"/>
+                <a:ea typeface="Caveat Brush"/>
+                <a:cs typeface="Caveat Brush"/>
+                <a:sym typeface="Caveat Brush"/>
+              </a:defRPr>
+            </a:lvl5pPr>
+            <a:lvl6pPr marR="0" lvl="5" algn="ctr" rtl="0">
+              <a:lnSpc>
+                <a:spcPct val="100000"/>
+              </a:lnSpc>
+              <a:spcBef>
+                <a:spcPts val="0"/>
+              </a:spcBef>
+              <a:spcAft>
+                <a:spcPts val="0"/>
+              </a:spcAft>
+              <a:buClr>
+                <a:schemeClr val="dk1"/>
+              </a:buClr>
+              <a:buSzPts val="4200"/>
+              <a:buFont typeface="Caveat Brush"/>
+              <a:buNone/>
+              <a:defRPr sz="4200" b="0" i="0" u="none" strike="noStrike" cap="none">
+                <a:solidFill>
+                  <a:schemeClr val="dk1"/>
+                </a:solidFill>
+                <a:latin typeface="Caveat Brush"/>
+                <a:ea typeface="Caveat Brush"/>
+                <a:cs typeface="Caveat Brush"/>
+                <a:sym typeface="Caveat Brush"/>
+              </a:defRPr>
+            </a:lvl6pPr>
+            <a:lvl7pPr marR="0" lvl="6" algn="ctr" rtl="0">
+              <a:lnSpc>
+                <a:spcPct val="100000"/>
+              </a:lnSpc>
+              <a:spcBef>
+                <a:spcPts val="0"/>
+              </a:spcBef>
+              <a:spcAft>
+                <a:spcPts val="0"/>
+              </a:spcAft>
+              <a:buClr>
+                <a:schemeClr val="dk1"/>
+              </a:buClr>
+              <a:buSzPts val="4200"/>
+              <a:buFont typeface="Caveat Brush"/>
+              <a:buNone/>
+              <a:defRPr sz="4200" b="0" i="0" u="none" strike="noStrike" cap="none">
+                <a:solidFill>
+                  <a:schemeClr val="dk1"/>
+                </a:solidFill>
+                <a:latin typeface="Caveat Brush"/>
+                <a:ea typeface="Caveat Brush"/>
+                <a:cs typeface="Caveat Brush"/>
+                <a:sym typeface="Caveat Brush"/>
+              </a:defRPr>
+            </a:lvl7pPr>
+            <a:lvl8pPr marR="0" lvl="7" algn="ctr" rtl="0">
+              <a:lnSpc>
+                <a:spcPct val="100000"/>
+              </a:lnSpc>
+              <a:spcBef>
+                <a:spcPts val="0"/>
+              </a:spcBef>
+              <a:spcAft>
+                <a:spcPts val="0"/>
+              </a:spcAft>
+              <a:buClr>
+                <a:schemeClr val="dk1"/>
+              </a:buClr>
+              <a:buSzPts val="4200"/>
+              <a:buFont typeface="Caveat Brush"/>
+              <a:buNone/>
+              <a:defRPr sz="4200" b="0" i="0" u="none" strike="noStrike" cap="none">
+                <a:solidFill>
+                  <a:schemeClr val="dk1"/>
+                </a:solidFill>
+                <a:latin typeface="Caveat Brush"/>
+                <a:ea typeface="Caveat Brush"/>
+                <a:cs typeface="Caveat Brush"/>
+                <a:sym typeface="Caveat Brush"/>
+              </a:defRPr>
+            </a:lvl8pPr>
+            <a:lvl9pPr marR="0" lvl="8" algn="ctr" rtl="0">
+              <a:lnSpc>
+                <a:spcPct val="100000"/>
+              </a:lnSpc>
+              <a:spcBef>
+                <a:spcPts val="0"/>
+              </a:spcBef>
+              <a:spcAft>
+                <a:spcPts val="0"/>
+              </a:spcAft>
+              <a:buClr>
+                <a:schemeClr val="dk1"/>
+              </a:buClr>
+              <a:buSzPts val="4200"/>
+              <a:buFont typeface="Caveat Brush"/>
+              <a:buNone/>
+              <a:defRPr sz="4200" b="0" i="0" u="none" strike="noStrike" cap="none">
+                <a:solidFill>
+                  <a:schemeClr val="dk1"/>
+                </a:solidFill>
+                <a:latin typeface="Caveat Brush"/>
+                <a:ea typeface="Caveat Brush"/>
+                <a:cs typeface="Caveat Brush"/>
+                <a:sym typeface="Caveat Brush"/>
+              </a:defRPr>
+            </a:lvl9pPr>
+          </a:lstStyle>
+          <a:p>
+            <a:r>
+              <a:rPr lang="en-US" altLang="zh-TW" sz="2000" dirty="0" smtClean="0"/>
+              <a:t>2. </a:t>
+            </a:r>
+            <a:r>
+              <a:rPr lang="zh-TW" altLang="en-US" sz="2000" dirty="0" smtClean="0"/>
+              <a:t>是否將客戶繳款情形列為</a:t>
+            </a:r>
+            <a:r>
+              <a:rPr lang="en-US" altLang="zh-TW" sz="2000" smtClean="0"/>
+              <a:t>label?</a:t>
+            </a:r>
+            <a:endParaRPr lang="en-US" altLang="zh-TW" sz="2000" dirty="0" smtClean="0"/>
+          </a:p>
+        </p:txBody>
+      </p:sp>
     </p:spTree>
     <p:extLst>
       <p:ext uri="{BB962C8B-B14F-4D97-AF65-F5344CB8AC3E}">
@@ -28231,7 +28592,7 @@
           <p:cNvPr id="5" name="標題 1">
             <a:extLst>
               <a:ext uri="{FF2B5EF4-FFF2-40B4-BE49-F238E27FC236}">
-                <a16:creationId xmlns:a16="http://schemas.microsoft.com/office/drawing/2014/main" id="{CFCB40FB-964B-0AD7-7E55-4CC1998753AF}"/>
+                <a16:creationId xmlns:a16="http://schemas.microsoft.com/office/drawing/2014/main" xmlns="" id="{CFCB40FB-964B-0AD7-7E55-4CC1998753AF}"/>
               </a:ext>
             </a:extLst>
           </p:cNvPr>
@@ -28517,7 +28878,7 @@
           <p:cNvPr id="3" name="文字版面配置區 2">
             <a:extLst>
               <a:ext uri="{FF2B5EF4-FFF2-40B4-BE49-F238E27FC236}">
-                <a16:creationId xmlns:a16="http://schemas.microsoft.com/office/drawing/2014/main" id="{D19EF727-EFE0-4B7D-4CD3-46703308D0F5}"/>
+                <a16:creationId xmlns:a16="http://schemas.microsoft.com/office/drawing/2014/main" xmlns="" id="{D19EF727-EFE0-4B7D-4CD3-46703308D0F5}"/>
               </a:ext>
             </a:extLst>
           </p:cNvPr>
@@ -28542,7 +28903,7 @@
           <p:cNvPr id="2" name="標題 1">
             <a:extLst>
               <a:ext uri="{FF2B5EF4-FFF2-40B4-BE49-F238E27FC236}">
-                <a16:creationId xmlns:a16="http://schemas.microsoft.com/office/drawing/2014/main" id="{F0550CC8-D15A-DC6C-A022-10CF8F0B39BB}"/>
+                <a16:creationId xmlns:a16="http://schemas.microsoft.com/office/drawing/2014/main" xmlns="" id="{F0550CC8-D15A-DC6C-A022-10CF8F0B39BB}"/>
               </a:ext>
             </a:extLst>
           </p:cNvPr>

--- a/BDSE31第六組期末專題提案報告.pptx
+++ b/BDSE31第六組期末專題提案報告.pptx
@@ -10,10 +10,10 @@
   </p:notesMasterIdLst>
   <p:sldIdLst>
     <p:sldId id="302" r:id="rId3"/>
-    <p:sldId id="258" r:id="rId4"/>
+    <p:sldId id="322" r:id="rId4"/>
     <p:sldId id="259" r:id="rId5"/>
-    <p:sldId id="319" r:id="rId6"/>
-    <p:sldId id="320" r:id="rId7"/>
+    <p:sldId id="323" r:id="rId6"/>
+    <p:sldId id="324" r:id="rId7"/>
     <p:sldId id="321" r:id="rId8"/>
     <p:sldId id="312" r:id="rId9"/>
   </p:sldIdLst>
@@ -26,26 +26,31 @@
       <p:bold r:id="rId12"/>
     </p:embeddedFont>
     <p:embeddedFont>
-      <p:font typeface="Didact Gothic" panose="020B0604020202020204" charset="0"/>
+      <p:font typeface="Microsoft JhengHei" panose="020B0604030504040204" pitchFamily="34" charset="-120"/>
+      <p:regular r:id="rId11"/>
+      <p:bold r:id="rId12"/>
+    </p:embeddedFont>
+    <p:embeddedFont>
+      <p:font typeface="Caveat Brush" panose="02020500000000000000" charset="0"/>
       <p:regular r:id="rId13"/>
     </p:embeddedFont>
     <p:embeddedFont>
-      <p:font typeface="Caveat Brush" panose="020B0604020202020204" charset="0"/>
+      <p:font typeface="Delius Swash Caps" panose="02020500000000000000" charset="0"/>
       <p:regular r:id="rId14"/>
     </p:embeddedFont>
     <p:embeddedFont>
-      <p:font typeface="Open Sans" panose="020B0606030504020204" pitchFamily="34" charset="0"/>
+      <p:font typeface="Didact Gothic" panose="02020500000000000000" charset="0"/>
       <p:regular r:id="rId15"/>
-      <p:bold r:id="rId16"/>
-      <p:italic r:id="rId17"/>
-      <p:boldItalic r:id="rId18"/>
     </p:embeddedFont>
     <p:embeddedFont>
-      <p:font typeface="Sacramento" panose="020B0604020202020204" charset="0"/>
-      <p:regular r:id="rId19"/>
+      <p:font typeface="Open Sans" panose="02020500000000000000" charset="0"/>
+      <p:regular r:id="rId16"/>
+      <p:bold r:id="rId17"/>
+      <p:italic r:id="rId18"/>
+      <p:boldItalic r:id="rId19"/>
     </p:embeddedFont>
     <p:embeddedFont>
-      <p:font typeface="Delius Swash Caps" panose="020B0604020202020204" charset="0"/>
+      <p:font typeface="Sacramento" panose="02020500000000000000" charset="0"/>
       <p:regular r:id="rId20"/>
     </p:embeddedFont>
   </p:embeddedFontLst>
@@ -2978,11 +2983,6 @@
         </p:txBody>
       </p:sp>
     </p:spTree>
-    <p:extLst>
-      <p:ext uri="{BB962C8B-B14F-4D97-AF65-F5344CB8AC3E}">
-        <p14:creationId xmlns:p14="http://schemas.microsoft.com/office/powerpoint/2010/main" val="2517014697"/>
-      </p:ext>
-    </p:extLst>
   </p:cSld>
   <p:clrMapOvr>
     <a:masterClrMapping/>
@@ -18925,7 +18925,7 @@
                 <a:hlinkClick r:id="rId5">
                   <a:extLst>
                     <a:ext uri="{A12FA001-AC4F-418D-AE19-62706E023703}">
-                      <ahyp:hlinkClr xmlns:ahyp="http://schemas.microsoft.com/office/drawing/2018/hyperlinkcolor" xmlns="" val="tx"/>
+                      <ahyp:hlinkClr xmlns:ahyp="http://schemas.microsoft.com/office/drawing/2018/hyperlinkcolor" val="tx"/>
                     </a:ext>
                   </a:extLst>
                 </a:hlinkClick>
@@ -18959,7 +18959,7 @@
                 <a:hlinkClick r:id="rId6">
                   <a:extLst>
                     <a:ext uri="{A12FA001-AC4F-418D-AE19-62706E023703}">
-                      <ahyp:hlinkClr xmlns:ahyp="http://schemas.microsoft.com/office/drawing/2018/hyperlinkcolor" xmlns="" val="tx"/>
+                      <ahyp:hlinkClr xmlns:ahyp="http://schemas.microsoft.com/office/drawing/2018/hyperlinkcolor" val="tx"/>
                     </a:ext>
                   </a:extLst>
                 </a:hlinkClick>
@@ -25537,12 +25537,12 @@
               <a:buNone/>
             </a:pPr>
             <a:r>
-              <a:rPr lang="zh-TW" altLang="en" b="1">
+              <a:rPr lang="zh-TW" altLang="en-US" b="1" dirty="0">
                 <a:ea typeface="Microsoft JhengHei"/>
               </a:rPr>
-              <a:t>前言</a:t>
+              <a:t>研究動機</a:t>
             </a:r>
-            <a:endParaRPr lang="en">
+            <a:endParaRPr lang="en" dirty="0">
               <a:ea typeface="Microsoft JhengHei"/>
             </a:endParaRPr>
           </a:p>
@@ -25625,10 +25625,10 @@
               <a:buNone/>
             </a:pPr>
             <a:r>
-              <a:rPr lang="en"/>
+              <a:rPr lang="en" dirty="0"/>
               <a:t>03</a:t>
             </a:r>
-            <a:endParaRPr/>
+            <a:endParaRPr dirty="0"/>
           </a:p>
         </p:txBody>
       </p:sp>
@@ -25696,7 +25696,17 @@
           <a:lstStyle/>
           <a:p>
             <a:pPr marL="0" indent="0"/>
-            <a:endParaRPr lang="zh-TW" altLang="en" b="1" dirty="0"/>
+            <a:r>
+              <a:rPr lang="zh-TW" altLang="en-US" b="1" dirty="0">
+                <a:latin typeface="微軟正黑體" panose="020B0604030504040204" pitchFamily="34" charset="-120"/>
+                <a:ea typeface="微軟正黑體" panose="020B0604030504040204" pitchFamily="34" charset="-120"/>
+              </a:rPr>
+              <a:t>研究方法</a:t>
+            </a:r>
+            <a:endParaRPr lang="zh-TW" altLang="en" b="1" dirty="0">
+              <a:latin typeface="微軟正黑體" panose="020B0604030504040204" pitchFamily="34" charset="-120"/>
+              <a:ea typeface="微軟正黑體" panose="020B0604030504040204" pitchFamily="34" charset="-120"/>
+            </a:endParaRPr>
           </a:p>
         </p:txBody>
       </p:sp>
@@ -25735,10 +25745,10 @@
               <a:buNone/>
             </a:pPr>
             <a:r>
-              <a:rPr lang="en"/>
+              <a:rPr lang="en" dirty="0"/>
               <a:t>02</a:t>
             </a:r>
-            <a:endParaRPr/>
+            <a:endParaRPr dirty="0"/>
           </a:p>
         </p:txBody>
       </p:sp>
@@ -25815,10 +25825,10 @@
               <a:buNone/>
             </a:pPr>
             <a:r>
-              <a:rPr lang="en"/>
+              <a:rPr lang="en" dirty="0"/>
               <a:t>04</a:t>
             </a:r>
-            <a:endParaRPr/>
+            <a:endParaRPr dirty="0"/>
           </a:p>
         </p:txBody>
       </p:sp>
@@ -25934,7 +25944,17 @@
               </a:spcAft>
               <a:buNone/>
             </a:pPr>
-            <a:endParaRPr lang="en" b="1" dirty="0"/>
+            <a:r>
+              <a:rPr lang="zh-TW" altLang="en-US" b="1" dirty="0">
+                <a:latin typeface="微軟正黑體" panose="020B0604030504040204" pitchFamily="34" charset="-120"/>
+                <a:ea typeface="微軟正黑體" panose="020B0604030504040204" pitchFamily="34" charset="-120"/>
+              </a:rPr>
+              <a:t>研究目的</a:t>
+            </a:r>
+            <a:endParaRPr lang="en" b="1" dirty="0">
+              <a:latin typeface="微軟正黑體" panose="020B0604030504040204" pitchFamily="34" charset="-120"/>
+              <a:ea typeface="微軟正黑體" panose="020B0604030504040204" pitchFamily="34" charset="-120"/>
+            </a:endParaRPr>
           </a:p>
         </p:txBody>
       </p:sp>
@@ -26034,7 +26054,7 @@
           <p:cNvPr id="3" name="標題 2">
             <a:extLst>
               <a:ext uri="{FF2B5EF4-FFF2-40B4-BE49-F238E27FC236}">
-                <a16:creationId xmlns:a16="http://schemas.microsoft.com/office/drawing/2014/main" xmlns="" id="{E0A766A4-8903-4D16-B3C9-5402130B248D}"/>
+                <a16:creationId xmlns:a16="http://schemas.microsoft.com/office/drawing/2014/main" id="{E0A766A4-8903-4D16-B3C9-5402130B248D}"/>
               </a:ext>
             </a:extLst>
           </p:cNvPr>
@@ -26067,20 +26087,12 @@
               <a:rPr lang="zh-TW" altLang="en-US" sz="2000" dirty="0"/>
               <a:t>  </a:t>
             </a:r>
-            <a:r>
-              <a:rPr lang="en-US" altLang="zh-TW" sz="2000" dirty="0"/>
-              <a:t/>
-            </a:r>
             <a:br>
               <a:rPr lang="en-US" altLang="zh-TW" sz="2000" dirty="0"/>
             </a:br>
             <a:r>
               <a:rPr lang="zh-TW" altLang="en-US" sz="2000" dirty="0"/>
               <a:t>銀行是最好的融資管道</a:t>
-            </a:r>
-            <a:r>
-              <a:rPr lang="en-US" altLang="zh-TW" sz="2000" dirty="0"/>
-              <a:t/>
             </a:r>
             <a:br>
               <a:rPr lang="en-US" altLang="zh-TW" sz="2000" dirty="0"/>
@@ -26089,10 +26101,6 @@
               <a:rPr lang="zh-TW" altLang="en-US" sz="2000" dirty="0"/>
               <a:t>有好的信用才有更低的利率，</a:t>
             </a:r>
-            <a:r>
-              <a:rPr lang="en-US" altLang="zh-TW" sz="2000" dirty="0"/>
-              <a:t/>
-            </a:r>
             <a:br>
               <a:rPr lang="en-US" altLang="zh-TW" sz="2000" dirty="0"/>
             </a:br>
@@ -26100,17 +26108,9 @@
               <a:rPr lang="zh-TW" altLang="en-US" sz="2000" dirty="0"/>
               <a:t>代表有更多便宜的資金可以運用</a:t>
             </a:r>
-            <a:r>
-              <a:rPr lang="en-US" altLang="zh-TW" sz="2000" dirty="0"/>
-              <a:t/>
-            </a:r>
             <a:br>
               <a:rPr lang="en-US" altLang="zh-TW" sz="2000" dirty="0"/>
             </a:br>
-            <a:r>
-              <a:rPr lang="en-US" altLang="zh-TW" sz="2000" dirty="0"/>
-              <a:t/>
-            </a:r>
             <a:br>
               <a:rPr lang="en-US" altLang="zh-TW" sz="2000" dirty="0"/>
             </a:br>
@@ -26137,10 +26137,6 @@
               <a:rPr lang="zh-TW" altLang="en-US" sz="2000" dirty="0"/>
               <a:t>  財力證明、負債情況</a:t>
             </a:r>
-            <a:r>
-              <a:rPr lang="en-US" altLang="zh-TW" sz="2000" dirty="0"/>
-              <a:t/>
-            </a:r>
             <a:br>
               <a:rPr lang="en-US" altLang="zh-TW" sz="2000" dirty="0"/>
             </a:br>
@@ -26156,17 +26152,9 @@
               <a:rPr lang="zh-TW" altLang="en-US" sz="2000" dirty="0"/>
               <a:t>  是否準時還款</a:t>
             </a:r>
-            <a:r>
-              <a:rPr lang="en-US" altLang="zh-TW" sz="2000" dirty="0"/>
-              <a:t/>
-            </a:r>
             <a:br>
               <a:rPr lang="en-US" altLang="zh-TW" sz="2000" dirty="0"/>
             </a:br>
-            <a:r>
-              <a:rPr lang="en-US" altLang="zh-TW" sz="2000" dirty="0"/>
-              <a:t/>
-            </a:r>
             <a:br>
               <a:rPr lang="en-US" altLang="zh-TW" sz="2000" dirty="0"/>
             </a:br>
@@ -26190,7 +26178,7 @@
           <p:cNvPr id="4" name="Google Shape;234;p33">
             <a:extLst>
               <a:ext uri="{FF2B5EF4-FFF2-40B4-BE49-F238E27FC236}">
-                <a16:creationId xmlns:a16="http://schemas.microsoft.com/office/drawing/2014/main" xmlns="" id="{FB2319A6-9796-41C3-B7C5-EA833E5D8009}"/>
+                <a16:creationId xmlns:a16="http://schemas.microsoft.com/office/drawing/2014/main" id="{FB2319A6-9796-41C3-B7C5-EA833E5D8009}"/>
               </a:ext>
             </a:extLst>
           </p:cNvPr>
@@ -26526,7 +26514,7 @@
           <p:cNvPr id="3" name="標題 2">
             <a:extLst>
               <a:ext uri="{FF2B5EF4-FFF2-40B4-BE49-F238E27FC236}">
-                <a16:creationId xmlns:a16="http://schemas.microsoft.com/office/drawing/2014/main" xmlns="" id="{E0A766A4-8903-4D16-B3C9-5402130B248D}"/>
+                <a16:creationId xmlns:a16="http://schemas.microsoft.com/office/drawing/2014/main" id="{E0A766A4-8903-4D16-B3C9-5402130B248D}"/>
               </a:ext>
             </a:extLst>
           </p:cNvPr>
@@ -26551,10 +26539,6 @@
               <a:rPr lang="zh-TW" altLang="en-US" sz="2000" dirty="0"/>
               <a:t>藉由個人基本資料和信用卡使用情形來評級信用分數，輔助銀行判斷是否與該客戶往來。</a:t>
             </a:r>
-            <a:r>
-              <a:rPr lang="en-US" altLang="zh-TW" sz="2000" dirty="0"/>
-              <a:t/>
-            </a:r>
             <a:br>
               <a:rPr lang="en-US" altLang="zh-TW" sz="2000" dirty="0"/>
             </a:br>
@@ -26567,7 +26551,7 @@
           <p:cNvPr id="4" name="Google Shape;234;p33">
             <a:extLst>
               <a:ext uri="{FF2B5EF4-FFF2-40B4-BE49-F238E27FC236}">
-                <a16:creationId xmlns:a16="http://schemas.microsoft.com/office/drawing/2014/main" xmlns="" id="{FB2319A6-9796-41C3-B7C5-EA833E5D8009}"/>
+                <a16:creationId xmlns:a16="http://schemas.microsoft.com/office/drawing/2014/main" id="{FB2319A6-9796-41C3-B7C5-EA833E5D8009}"/>
               </a:ext>
             </a:extLst>
           </p:cNvPr>
@@ -26841,39 +26825,50 @@
             </a:lvl9pPr>
           </a:lstStyle>
           <a:p>
+            <a:pPr marL="0" marR="0" lvl="0" indent="0" defTabSz="914400" rtl="0" eaLnBrk="1" fontAlgn="auto" latinLnBrk="0" hangingPunct="1">
+              <a:lnSpc>
+                <a:spcPct val="100000"/>
+              </a:lnSpc>
+              <a:spcBef>
+                <a:spcPts val="0"/>
+              </a:spcBef>
+              <a:spcAft>
+                <a:spcPts val="0"/>
+              </a:spcAft>
+              <a:buClr>
+                <a:srgbClr val="313451"/>
+              </a:buClr>
+              <a:buSzPts val="2500"/>
+              <a:buFont typeface="Caveat Brush"/>
+              <a:buNone/>
+              <a:tabLst/>
+              <a:defRPr/>
+            </a:pPr>
             <a:r>
-              <a:rPr lang="en" sz="4400" b="1" dirty="0">
-                <a:solidFill>
-                  <a:srgbClr val="5D83AB"/>
-                </a:solidFill>
+              <a:rPr kumimoji="0" lang="en" altLang="zh-TW" sz="4000" b="1" i="0" u="none" strike="noStrike" kern="0" cap="none" spc="0" normalizeH="0" baseline="0" noProof="0" dirty="0">
+                <a:ln>
+                  <a:noFill/>
+                </a:ln>
+                <a:solidFill>
+                  <a:srgbClr val="F0960E"/>
+                </a:solidFill>
+                <a:effectLst/>
+                <a:uLnTx/>
+                <a:uFillTx/>
+                <a:latin typeface="Caveat Brush"/>
+                <a:sym typeface="Caveat Brush"/>
               </a:rPr>
-              <a:t>0</a:t>
+              <a:t>02</a:t>
             </a:r>
             <a:r>
-              <a:rPr lang="en-US" altLang="zh-TW" sz="4400" b="1" dirty="0">
-                <a:solidFill>
-                  <a:srgbClr val="5D83AB"/>
-                </a:solidFill>
-              </a:rPr>
-              <a:t>2</a:t>
-            </a:r>
-            <a:r>
-              <a:rPr lang="en" altLang="zh-TW" sz="4400" b="1" dirty="0">
-                <a:solidFill>
-                  <a:srgbClr val="5D83AB"/>
-                </a:solidFill>
-              </a:rPr>
-              <a:t> </a:t>
-            </a:r>
-            <a:r>
-              <a:rPr lang="zh-TW" altLang="en-US" sz="4400" b="1" dirty="0">
+              <a:rPr lang="zh-TW" altLang="en-US" sz="4000" b="1" dirty="0">
                 <a:solidFill>
                   <a:srgbClr val="313451"/>
                 </a:solidFill>
               </a:rPr>
               <a:t>研究目的</a:t>
             </a:r>
-            <a:endParaRPr lang="en" sz="4400" dirty="0">
+            <a:endParaRPr lang="en" sz="4000" dirty="0">
               <a:solidFill>
                 <a:srgbClr val="313451"/>
               </a:solidFill>
@@ -26884,7 +26879,7 @@
     </p:spTree>
     <p:extLst>
       <p:ext uri="{BB962C8B-B14F-4D97-AF65-F5344CB8AC3E}">
-        <p14:creationId xmlns:p14="http://schemas.microsoft.com/office/powerpoint/2010/main" val="1719973621"/>
+        <p14:creationId xmlns:p14="http://schemas.microsoft.com/office/powerpoint/2010/main" val="622392492"/>
       </p:ext>
     </p:extLst>
   </p:cSld>
@@ -26916,7 +26911,7 @@
           <p:cNvPr id="7" name="圖片 6">
             <a:extLst>
               <a:ext uri="{FF2B5EF4-FFF2-40B4-BE49-F238E27FC236}">
-                <a16:creationId xmlns:a16="http://schemas.microsoft.com/office/drawing/2014/main" xmlns="" id="{E27EB22F-6EEE-480D-9937-AE41BECEE5F0}"/>
+                <a16:creationId xmlns:a16="http://schemas.microsoft.com/office/drawing/2014/main" id="{E27EB22F-6EEE-480D-9937-AE41BECEE5F0}"/>
               </a:ext>
             </a:extLst>
           </p:cNvPr>
@@ -26946,7 +26941,7 @@
           <p:cNvPr id="10" name="圖片 9">
             <a:extLst>
               <a:ext uri="{FF2B5EF4-FFF2-40B4-BE49-F238E27FC236}">
-                <a16:creationId xmlns:a16="http://schemas.microsoft.com/office/drawing/2014/main" xmlns="" id="{235AF8C0-F334-4EE8-9230-1347B6C4E4D4}"/>
+                <a16:creationId xmlns:a16="http://schemas.microsoft.com/office/drawing/2014/main" id="{235AF8C0-F334-4EE8-9230-1347B6C4E4D4}"/>
               </a:ext>
             </a:extLst>
           </p:cNvPr>
@@ -26975,7 +26970,7 @@
           <p:cNvPr id="16" name="Google Shape;234;p33">
             <a:extLst>
               <a:ext uri="{FF2B5EF4-FFF2-40B4-BE49-F238E27FC236}">
-                <a16:creationId xmlns:a16="http://schemas.microsoft.com/office/drawing/2014/main" xmlns="" id="{865AEF73-6DFB-4DD6-A540-AA965D07F996}"/>
+                <a16:creationId xmlns:a16="http://schemas.microsoft.com/office/drawing/2014/main" id="{865AEF73-6DFB-4DD6-A540-AA965D07F996}"/>
               </a:ext>
             </a:extLst>
           </p:cNvPr>
@@ -27249,39 +27244,50 @@
             </a:lvl9pPr>
           </a:lstStyle>
           <a:p>
+            <a:pPr marL="0" marR="0" lvl="0" indent="0" defTabSz="914400" rtl="0" eaLnBrk="1" fontAlgn="auto" latinLnBrk="0" hangingPunct="1">
+              <a:lnSpc>
+                <a:spcPct val="100000"/>
+              </a:lnSpc>
+              <a:spcBef>
+                <a:spcPts val="0"/>
+              </a:spcBef>
+              <a:spcAft>
+                <a:spcPts val="0"/>
+              </a:spcAft>
+              <a:buClr>
+                <a:srgbClr val="313451"/>
+              </a:buClr>
+              <a:buSzPts val="2500"/>
+              <a:buFont typeface="Caveat Brush"/>
+              <a:buNone/>
+              <a:tabLst/>
+              <a:defRPr/>
+            </a:pPr>
             <a:r>
-              <a:rPr lang="en" sz="4400" b="1" dirty="0">
-                <a:solidFill>
-                  <a:srgbClr val="5D83AB"/>
-                </a:solidFill>
+              <a:rPr kumimoji="0" lang="en" altLang="zh-TW" sz="4400" b="1" i="0" u="none" strike="noStrike" kern="0" cap="none" spc="0" normalizeH="0" baseline="0" noProof="0" dirty="0">
+                <a:ln>
+                  <a:noFill/>
+                </a:ln>
+                <a:solidFill>
+                  <a:srgbClr val="9468BF"/>
+                </a:solidFill>
+                <a:effectLst/>
+                <a:uLnTx/>
+                <a:uFillTx/>
+                <a:latin typeface="Caveat Brush"/>
+                <a:sym typeface="Caveat Brush"/>
               </a:rPr>
-              <a:t>0</a:t>
+              <a:t>03</a:t>
             </a:r>
             <a:r>
-              <a:rPr lang="en-US" altLang="zh-TW" sz="4400" b="1" dirty="0">
-                <a:solidFill>
-                  <a:srgbClr val="5D83AB"/>
-                </a:solidFill>
-              </a:rPr>
-              <a:t>3</a:t>
-            </a:r>
-            <a:r>
-              <a:rPr lang="en" altLang="zh-TW" sz="4400" b="1" dirty="0">
-                <a:solidFill>
-                  <a:srgbClr val="5D83AB"/>
-                </a:solidFill>
-              </a:rPr>
-              <a:t> </a:t>
-            </a:r>
-            <a:r>
-              <a:rPr lang="zh-TW" altLang="en-US" sz="4400" b="1" dirty="0">
+              <a:rPr lang="zh-TW" altLang="en-US" sz="4000" b="1" dirty="0">
                 <a:solidFill>
                   <a:srgbClr val="313451"/>
                 </a:solidFill>
               </a:rPr>
               <a:t>研究方法</a:t>
             </a:r>
-            <a:endParaRPr lang="en" sz="4400" dirty="0">
+            <a:endParaRPr lang="en" sz="4000" dirty="0">
               <a:solidFill>
                 <a:srgbClr val="313451"/>
               </a:solidFill>
@@ -27294,7 +27300,7 @@
           <p:cNvPr id="17" name="標題 2">
             <a:extLst>
               <a:ext uri="{FF2B5EF4-FFF2-40B4-BE49-F238E27FC236}">
-                <a16:creationId xmlns:a16="http://schemas.microsoft.com/office/drawing/2014/main" xmlns="" id="{399BBF58-85EE-42B0-8260-29793425065C}"/>
+                <a16:creationId xmlns:a16="http://schemas.microsoft.com/office/drawing/2014/main" id="{399BBF58-85EE-42B0-8260-29793425065C}"/>
               </a:ext>
             </a:extLst>
           </p:cNvPr>
@@ -27319,10 +27325,6 @@
             <a:r>
               <a:rPr lang="zh-TW" altLang="en-US" sz="1400" dirty="0"/>
               <a:t>個人基本資料</a:t>
-            </a:r>
-            <a:r>
-              <a:rPr lang="en-US" altLang="zh-TW" sz="1400" dirty="0"/>
-              <a:t/>
             </a:r>
             <a:br>
               <a:rPr lang="en-US" altLang="zh-TW" sz="1400" dirty="0"/>
@@ -27360,7 +27362,7 @@
           <p:cNvPr id="20" name="圖片 19">
             <a:extLst>
               <a:ext uri="{FF2B5EF4-FFF2-40B4-BE49-F238E27FC236}">
-                <a16:creationId xmlns:a16="http://schemas.microsoft.com/office/drawing/2014/main" xmlns="" id="{0E3AD79E-7FD6-47E1-A607-81E28522C9D9}"/>
+                <a16:creationId xmlns:a16="http://schemas.microsoft.com/office/drawing/2014/main" id="{0E3AD79E-7FD6-47E1-A607-81E28522C9D9}"/>
               </a:ext>
             </a:extLst>
           </p:cNvPr>
@@ -27390,7 +27392,7 @@
           <p:cNvPr id="21" name="圖片 20">
             <a:extLst>
               <a:ext uri="{FF2B5EF4-FFF2-40B4-BE49-F238E27FC236}">
-                <a16:creationId xmlns:a16="http://schemas.microsoft.com/office/drawing/2014/main" xmlns="" id="{B0DB6DEC-D994-4B7F-A104-AC89C1D9B475}"/>
+                <a16:creationId xmlns:a16="http://schemas.microsoft.com/office/drawing/2014/main" id="{B0DB6DEC-D994-4B7F-A104-AC89C1D9B475}"/>
               </a:ext>
             </a:extLst>
           </p:cNvPr>
@@ -27420,7 +27422,7 @@
           <p:cNvPr id="22" name="標題 2">
             <a:extLst>
               <a:ext uri="{FF2B5EF4-FFF2-40B4-BE49-F238E27FC236}">
-                <a16:creationId xmlns:a16="http://schemas.microsoft.com/office/drawing/2014/main" xmlns="" id="{2CFC4FAF-DFF4-4AAB-AE45-45B073359D95}"/>
+                <a16:creationId xmlns:a16="http://schemas.microsoft.com/office/drawing/2014/main" id="{2CFC4FAF-DFF4-4AAB-AE45-45B073359D95}"/>
               </a:ext>
             </a:extLst>
           </p:cNvPr>
@@ -27698,10 +27700,6 @@
             <a:r>
               <a:rPr lang="zh-TW" altLang="en-US" sz="1400" dirty="0"/>
               <a:t>信用卡繳款情形</a:t>
-            </a:r>
-            <a:r>
-              <a:rPr lang="en-US" altLang="zh-TW" sz="1400" dirty="0"/>
-              <a:t/>
             </a:r>
             <a:br>
               <a:rPr lang="en-US" altLang="zh-TW" sz="1400" dirty="0"/>
@@ -27774,7 +27772,7 @@
           <p:cNvPr id="2" name="圖片 1">
             <a:extLst>
               <a:ext uri="{FF2B5EF4-FFF2-40B4-BE49-F238E27FC236}">
-                <a16:creationId xmlns:a16="http://schemas.microsoft.com/office/drawing/2014/main" xmlns="" id="{90AA0C78-97A0-4378-AC36-0952ECA3B401}"/>
+                <a16:creationId xmlns:a16="http://schemas.microsoft.com/office/drawing/2014/main" id="{90AA0C78-97A0-4378-AC36-0952ECA3B401}"/>
               </a:ext>
             </a:extLst>
           </p:cNvPr>
@@ -27802,7 +27800,7 @@
     </p:spTree>
     <p:extLst>
       <p:ext uri="{BB962C8B-B14F-4D97-AF65-F5344CB8AC3E}">
-        <p14:creationId xmlns:p14="http://schemas.microsoft.com/office/powerpoint/2010/main" val="3386771073"/>
+        <p14:creationId xmlns:p14="http://schemas.microsoft.com/office/powerpoint/2010/main" val="234229579"/>
       </p:ext>
     </p:extLst>
   </p:cSld>
@@ -27834,7 +27832,7 @@
           <p:cNvPr id="4" name="Google Shape;234;p33">
             <a:extLst>
               <a:ext uri="{FF2B5EF4-FFF2-40B4-BE49-F238E27FC236}">
-                <a16:creationId xmlns:a16="http://schemas.microsoft.com/office/drawing/2014/main" xmlns="" id="{FB2319A6-9796-41C3-B7C5-EA833E5D8009}"/>
+                <a16:creationId xmlns:a16="http://schemas.microsoft.com/office/drawing/2014/main" id="{FB2319A6-9796-41C3-B7C5-EA833E5D8009}"/>
               </a:ext>
             </a:extLst>
           </p:cNvPr>
@@ -28109,20 +28107,12 @@
           </a:lstStyle>
           <a:p>
             <a:r>
-              <a:rPr lang="en" sz="2800" b="1" dirty="0">
-                <a:solidFill>
-                  <a:srgbClr val="5D83AB"/>
+              <a:rPr lang="en" altLang="zh-TW" sz="2800" b="1" dirty="0">
+                <a:solidFill>
+                  <a:srgbClr val="7EAC7C"/>
                 </a:solidFill>
               </a:rPr>
-              <a:t>0</a:t>
-            </a:r>
-            <a:r>
-              <a:rPr lang="en-US" altLang="zh-TW" sz="2800" b="1" dirty="0">
-                <a:solidFill>
-                  <a:srgbClr val="5D83AB"/>
-                </a:solidFill>
-              </a:rPr>
-              <a:t>4</a:t>
+              <a:t>04</a:t>
             </a:r>
             <a:r>
               <a:rPr lang="zh-TW" altLang="en-US" sz="2800" b="1" dirty="0">
@@ -28157,7 +28147,7 @@
           <p:cNvPr id="6" name="標題 2">
             <a:extLst>
               <a:ext uri="{FF2B5EF4-FFF2-40B4-BE49-F238E27FC236}">
-                <a16:creationId xmlns:a16="http://schemas.microsoft.com/office/drawing/2014/main" xmlns="" id="{0BADEC5A-79EB-4023-9F7B-ECC991AD5516}"/>
+                <a16:creationId xmlns:a16="http://schemas.microsoft.com/office/drawing/2014/main" id="{0BADEC5A-79EB-4023-9F7B-ECC991AD5516}"/>
               </a:ext>
             </a:extLst>
           </p:cNvPr>
@@ -28170,7 +28160,7 @@
         </p:nvSpPr>
         <p:spPr>
           <a:xfrm>
-            <a:off x="817998" y="1639330"/>
+            <a:off x="787255" y="2164650"/>
             <a:ext cx="3754002" cy="814200"/>
           </a:xfrm>
         </p:spPr>
@@ -28179,26 +28169,96 @@
           <a:lstStyle/>
           <a:p>
             <a:r>
-              <a:rPr lang="en-US" altLang="zh-TW" sz="2000" dirty="0"/>
+              <a:rPr lang="en-US" altLang="zh-TW" sz="1200" dirty="0"/>
               <a:t>1.</a:t>
             </a:r>
             <a:r>
-              <a:rPr lang="zh-TW" altLang="en-US" sz="2000" dirty="0"/>
+              <a:rPr lang="zh-TW" altLang="en-US" sz="1200" dirty="0"/>
               <a:t> 不知道該如何為客戶繳款情形做評級</a:t>
             </a:r>
+            <a:br>
+              <a:rPr lang="en-US" altLang="zh-TW" sz="1200" dirty="0"/>
+            </a:br>
             <a:r>
-              <a:rPr lang="en-US" altLang="zh-TW" sz="2000" dirty="0"/>
+              <a:rPr lang="en-US" altLang="zh-TW" sz="1200" dirty="0"/>
               <a:t>(</a:t>
             </a:r>
             <a:r>
-              <a:rPr lang="zh-TW" altLang="en-US" sz="2000" dirty="0"/>
+              <a:rPr lang="zh-TW" altLang="en-US" sz="1200" dirty="0"/>
               <a:t>只要有遲繳就列入壞帳</a:t>
             </a:r>
             <a:r>
-              <a:rPr lang="en-US" altLang="zh-TW" sz="2000" dirty="0"/>
+              <a:rPr lang="en-US" altLang="zh-TW" sz="1200" dirty="0"/>
               <a:t>?)</a:t>
             </a:r>
-            <a:endParaRPr lang="zh-TW" altLang="en-US" sz="700" dirty="0"/>
+            <a:br>
+              <a:rPr lang="en-US" altLang="zh-TW" sz="1200" dirty="0"/>
+            </a:br>
+            <a:r>
+              <a:rPr lang="en-US" altLang="zh-TW" sz="1200" dirty="0"/>
+              <a:t>2. </a:t>
+            </a:r>
+            <a:r>
+              <a:rPr lang="zh-TW" altLang="en-US" sz="1200" dirty="0"/>
+              <a:t>前面大量還款筆數正常，後期有少數遲繳</a:t>
+            </a:r>
+            <a:br>
+              <a:rPr lang="en-US" altLang="zh-TW" sz="1200" dirty="0"/>
+            </a:br>
+            <a:r>
+              <a:rPr lang="en-US" altLang="zh-TW" sz="1200" dirty="0"/>
+              <a:t>3. </a:t>
+            </a:r>
+            <a:r>
+              <a:rPr lang="zh-TW" altLang="en-US" sz="1200" dirty="0"/>
+              <a:t>有資料數據，但全是無借貸紀錄</a:t>
+            </a:r>
+            <a:br>
+              <a:rPr lang="en-US" altLang="zh-TW" sz="1200" dirty="0"/>
+            </a:br>
+            <a:r>
+              <a:rPr lang="en-US" altLang="zh-TW" sz="1200" dirty="0"/>
+              <a:t>4. </a:t>
+            </a:r>
+            <a:r>
+              <a:rPr lang="zh-TW" altLang="en-US" sz="1200" dirty="0"/>
+              <a:t>繳款正常，但低於</a:t>
+            </a:r>
+            <a:r>
+              <a:rPr lang="en-US" altLang="zh-TW" sz="1200" dirty="0"/>
+              <a:t>6</a:t>
+            </a:r>
+            <a:r>
+              <a:rPr lang="zh-TW" altLang="en-US" sz="1200" dirty="0"/>
+              <a:t>筆是否該評定好帳</a:t>
+            </a:r>
+            <a:r>
+              <a:rPr lang="en-US" altLang="zh-TW" sz="1200" dirty="0"/>
+              <a:t>?</a:t>
+            </a:r>
+            <a:r>
+              <a:rPr lang="zh-TW" altLang="en-US" sz="1200" dirty="0"/>
+              <a:t> </a:t>
+            </a:r>
+            <a:br>
+              <a:rPr lang="en-US" altLang="zh-TW" sz="1200" dirty="0"/>
+            </a:br>
+            <a:r>
+              <a:rPr lang="en-US" altLang="zh-TW" sz="1200" dirty="0"/>
+              <a:t>5.</a:t>
+            </a:r>
+            <a:r>
+              <a:rPr lang="zh-TW" altLang="en-US" sz="1200" dirty="0"/>
+              <a:t>是否將客戶繳款情形列為</a:t>
+            </a:r>
+            <a:r>
+              <a:rPr lang="en-US" altLang="zh-TW" sz="1200" dirty="0"/>
+              <a:t>label?</a:t>
+            </a:r>
+            <a:br>
+              <a:rPr lang="en-US" altLang="zh-TW" sz="1200" dirty="0"/>
+            </a:br>
+            <a:endParaRPr lang="zh-TW" altLang="en-US" sz="1200" dirty="0"/>
           </a:p>
         </p:txBody>
       </p:sp>
@@ -28207,7 +28267,7 @@
           <p:cNvPr id="8" name="圖片 7">
             <a:extLst>
               <a:ext uri="{FF2B5EF4-FFF2-40B4-BE49-F238E27FC236}">
-                <a16:creationId xmlns:a16="http://schemas.microsoft.com/office/drawing/2014/main" xmlns="" id="{372EAC3F-A039-476C-BC0E-85C169AF7923}"/>
+                <a16:creationId xmlns:a16="http://schemas.microsoft.com/office/drawing/2014/main" id="{372EAC3F-A039-476C-BC0E-85C169AF7923}"/>
               </a:ext>
             </a:extLst>
           </p:cNvPr>
@@ -28237,7 +28297,7 @@
           <p:cNvPr id="2" name="圖片 1">
             <a:extLst>
               <a:ext uri="{FF2B5EF4-FFF2-40B4-BE49-F238E27FC236}">
-                <a16:creationId xmlns:a16="http://schemas.microsoft.com/office/drawing/2014/main" xmlns="" id="{4E9E3366-D0EC-47A0-ABC2-21E9A8D5FA78}"/>
+                <a16:creationId xmlns:a16="http://schemas.microsoft.com/office/drawing/2014/main" id="{4E9E3366-D0EC-47A0-ABC2-21E9A8D5FA78}"/>
               </a:ext>
             </a:extLst>
           </p:cNvPr>
@@ -28262,301 +28322,6 @@
           </a:prstGeom>
         </p:spPr>
       </p:pic>
-      <p:sp>
-        <p:nvSpPr>
-          <p:cNvPr id="7" name="標題 2">
-            <a:extLst>
-              <a:ext uri="{FF2B5EF4-FFF2-40B4-BE49-F238E27FC236}">
-                <a16:creationId xmlns:a16="http://schemas.microsoft.com/office/drawing/2014/main" xmlns="" id="{0BADEC5A-79EB-4023-9F7B-ECC991AD5516}"/>
-              </a:ext>
-            </a:extLst>
-          </p:cNvPr>
-          <p:cNvSpPr txBox="1">
-            <a:spLocks/>
-          </p:cNvSpPr>
-          <p:nvPr/>
-        </p:nvSpPr>
-        <p:spPr>
-          <a:xfrm>
-            <a:off x="787255" y="2453530"/>
-            <a:ext cx="3754002" cy="814200"/>
-          </a:xfrm>
-          <a:prstGeom prst="rect">
-            <a:avLst/>
-          </a:prstGeom>
-          <a:noFill/>
-          <a:ln>
-            <a:noFill/>
-          </a:ln>
-        </p:spPr>
-        <p:txBody>
-          <a:bodyPr spcFirstLastPara="1" wrap="square" lIns="91425" tIns="91425" rIns="91425" bIns="91425" anchor="ctr" anchorCtr="0">
-            <a:noAutofit/>
-          </a:bodyPr>
-          <a:lstStyle>
-            <a:defPPr marR="0" lvl="0" algn="l" rtl="0">
-              <a:lnSpc>
-                <a:spcPct val="100000"/>
-              </a:lnSpc>
-              <a:spcBef>
-                <a:spcPts val="0"/>
-              </a:spcBef>
-              <a:spcAft>
-                <a:spcPts val="0"/>
-              </a:spcAft>
-            </a:defPPr>
-            <a:lvl1pPr marR="0" lvl="0" algn="l" rtl="0">
-              <a:lnSpc>
-                <a:spcPct val="100000"/>
-              </a:lnSpc>
-              <a:spcBef>
-                <a:spcPts val="0"/>
-              </a:spcBef>
-              <a:spcAft>
-                <a:spcPts val="0"/>
-              </a:spcAft>
-              <a:buClr>
-                <a:schemeClr val="dk1"/>
-              </a:buClr>
-              <a:buSzPts val="4200"/>
-              <a:buFont typeface="Caveat Brush"/>
-              <a:buNone/>
-              <a:defRPr sz="4800" b="0" i="0" u="none" strike="noStrike" cap="none">
-                <a:solidFill>
-                  <a:schemeClr val="dk1"/>
-                </a:solidFill>
-                <a:latin typeface="Caveat Brush"/>
-                <a:ea typeface="Caveat Brush"/>
-                <a:cs typeface="Caveat Brush"/>
-                <a:sym typeface="Caveat Brush"/>
-              </a:defRPr>
-            </a:lvl1pPr>
-            <a:lvl2pPr marR="0" lvl="1" algn="ctr" rtl="0">
-              <a:lnSpc>
-                <a:spcPct val="100000"/>
-              </a:lnSpc>
-              <a:spcBef>
-                <a:spcPts val="0"/>
-              </a:spcBef>
-              <a:spcAft>
-                <a:spcPts val="0"/>
-              </a:spcAft>
-              <a:buClr>
-                <a:schemeClr val="dk1"/>
-              </a:buClr>
-              <a:buSzPts val="4200"/>
-              <a:buFont typeface="Caveat Brush"/>
-              <a:buNone/>
-              <a:defRPr sz="4200" b="0" i="0" u="none" strike="noStrike" cap="none">
-                <a:solidFill>
-                  <a:schemeClr val="dk1"/>
-                </a:solidFill>
-                <a:latin typeface="Caveat Brush"/>
-                <a:ea typeface="Caveat Brush"/>
-                <a:cs typeface="Caveat Brush"/>
-                <a:sym typeface="Caveat Brush"/>
-              </a:defRPr>
-            </a:lvl2pPr>
-            <a:lvl3pPr marR="0" lvl="2" algn="ctr" rtl="0">
-              <a:lnSpc>
-                <a:spcPct val="100000"/>
-              </a:lnSpc>
-              <a:spcBef>
-                <a:spcPts val="0"/>
-              </a:spcBef>
-              <a:spcAft>
-                <a:spcPts val="0"/>
-              </a:spcAft>
-              <a:buClr>
-                <a:schemeClr val="dk1"/>
-              </a:buClr>
-              <a:buSzPts val="4200"/>
-              <a:buFont typeface="Caveat Brush"/>
-              <a:buNone/>
-              <a:defRPr sz="4200" b="0" i="0" u="none" strike="noStrike" cap="none">
-                <a:solidFill>
-                  <a:schemeClr val="dk1"/>
-                </a:solidFill>
-                <a:latin typeface="Caveat Brush"/>
-                <a:ea typeface="Caveat Brush"/>
-                <a:cs typeface="Caveat Brush"/>
-                <a:sym typeface="Caveat Brush"/>
-              </a:defRPr>
-            </a:lvl3pPr>
-            <a:lvl4pPr marR="0" lvl="3" algn="ctr" rtl="0">
-              <a:lnSpc>
-                <a:spcPct val="100000"/>
-              </a:lnSpc>
-              <a:spcBef>
-                <a:spcPts val="0"/>
-              </a:spcBef>
-              <a:spcAft>
-                <a:spcPts val="0"/>
-              </a:spcAft>
-              <a:buClr>
-                <a:schemeClr val="dk1"/>
-              </a:buClr>
-              <a:buSzPts val="4200"/>
-              <a:buFont typeface="Caveat Brush"/>
-              <a:buNone/>
-              <a:defRPr sz="4200" b="0" i="0" u="none" strike="noStrike" cap="none">
-                <a:solidFill>
-                  <a:schemeClr val="dk1"/>
-                </a:solidFill>
-                <a:latin typeface="Caveat Brush"/>
-                <a:ea typeface="Caveat Brush"/>
-                <a:cs typeface="Caveat Brush"/>
-                <a:sym typeface="Caveat Brush"/>
-              </a:defRPr>
-            </a:lvl4pPr>
-            <a:lvl5pPr marR="0" lvl="4" algn="ctr" rtl="0">
-              <a:lnSpc>
-                <a:spcPct val="100000"/>
-              </a:lnSpc>
-              <a:spcBef>
-                <a:spcPts val="0"/>
-              </a:spcBef>
-              <a:spcAft>
-                <a:spcPts val="0"/>
-              </a:spcAft>
-              <a:buClr>
-                <a:schemeClr val="dk1"/>
-              </a:buClr>
-              <a:buSzPts val="4200"/>
-              <a:buFont typeface="Caveat Brush"/>
-              <a:buNone/>
-              <a:defRPr sz="4200" b="0" i="0" u="none" strike="noStrike" cap="none">
-                <a:solidFill>
-                  <a:schemeClr val="dk1"/>
-                </a:solidFill>
-                <a:latin typeface="Caveat Brush"/>
-                <a:ea typeface="Caveat Brush"/>
-                <a:cs typeface="Caveat Brush"/>
-                <a:sym typeface="Caveat Brush"/>
-              </a:defRPr>
-            </a:lvl5pPr>
-            <a:lvl6pPr marR="0" lvl="5" algn="ctr" rtl="0">
-              <a:lnSpc>
-                <a:spcPct val="100000"/>
-              </a:lnSpc>
-              <a:spcBef>
-                <a:spcPts val="0"/>
-              </a:spcBef>
-              <a:spcAft>
-                <a:spcPts val="0"/>
-              </a:spcAft>
-              <a:buClr>
-                <a:schemeClr val="dk1"/>
-              </a:buClr>
-              <a:buSzPts val="4200"/>
-              <a:buFont typeface="Caveat Brush"/>
-              <a:buNone/>
-              <a:defRPr sz="4200" b="0" i="0" u="none" strike="noStrike" cap="none">
-                <a:solidFill>
-                  <a:schemeClr val="dk1"/>
-                </a:solidFill>
-                <a:latin typeface="Caveat Brush"/>
-                <a:ea typeface="Caveat Brush"/>
-                <a:cs typeface="Caveat Brush"/>
-                <a:sym typeface="Caveat Brush"/>
-              </a:defRPr>
-            </a:lvl6pPr>
-            <a:lvl7pPr marR="0" lvl="6" algn="ctr" rtl="0">
-              <a:lnSpc>
-                <a:spcPct val="100000"/>
-              </a:lnSpc>
-              <a:spcBef>
-                <a:spcPts val="0"/>
-              </a:spcBef>
-              <a:spcAft>
-                <a:spcPts val="0"/>
-              </a:spcAft>
-              <a:buClr>
-                <a:schemeClr val="dk1"/>
-              </a:buClr>
-              <a:buSzPts val="4200"/>
-              <a:buFont typeface="Caveat Brush"/>
-              <a:buNone/>
-              <a:defRPr sz="4200" b="0" i="0" u="none" strike="noStrike" cap="none">
-                <a:solidFill>
-                  <a:schemeClr val="dk1"/>
-                </a:solidFill>
-                <a:latin typeface="Caveat Brush"/>
-                <a:ea typeface="Caveat Brush"/>
-                <a:cs typeface="Caveat Brush"/>
-                <a:sym typeface="Caveat Brush"/>
-              </a:defRPr>
-            </a:lvl7pPr>
-            <a:lvl8pPr marR="0" lvl="7" algn="ctr" rtl="0">
-              <a:lnSpc>
-                <a:spcPct val="100000"/>
-              </a:lnSpc>
-              <a:spcBef>
-                <a:spcPts val="0"/>
-              </a:spcBef>
-              <a:spcAft>
-                <a:spcPts val="0"/>
-              </a:spcAft>
-              <a:buClr>
-                <a:schemeClr val="dk1"/>
-              </a:buClr>
-              <a:buSzPts val="4200"/>
-              <a:buFont typeface="Caveat Brush"/>
-              <a:buNone/>
-              <a:defRPr sz="4200" b="0" i="0" u="none" strike="noStrike" cap="none">
-                <a:solidFill>
-                  <a:schemeClr val="dk1"/>
-                </a:solidFill>
-                <a:latin typeface="Caveat Brush"/>
-                <a:ea typeface="Caveat Brush"/>
-                <a:cs typeface="Caveat Brush"/>
-                <a:sym typeface="Caveat Brush"/>
-              </a:defRPr>
-            </a:lvl8pPr>
-            <a:lvl9pPr marR="0" lvl="8" algn="ctr" rtl="0">
-              <a:lnSpc>
-                <a:spcPct val="100000"/>
-              </a:lnSpc>
-              <a:spcBef>
-                <a:spcPts val="0"/>
-              </a:spcBef>
-              <a:spcAft>
-                <a:spcPts val="0"/>
-              </a:spcAft>
-              <a:buClr>
-                <a:schemeClr val="dk1"/>
-              </a:buClr>
-              <a:buSzPts val="4200"/>
-              <a:buFont typeface="Caveat Brush"/>
-              <a:buNone/>
-              <a:defRPr sz="4200" b="0" i="0" u="none" strike="noStrike" cap="none">
-                <a:solidFill>
-                  <a:schemeClr val="dk1"/>
-                </a:solidFill>
-                <a:latin typeface="Caveat Brush"/>
-                <a:ea typeface="Caveat Brush"/>
-                <a:cs typeface="Caveat Brush"/>
-                <a:sym typeface="Caveat Brush"/>
-              </a:defRPr>
-            </a:lvl9pPr>
-          </a:lstStyle>
-          <a:p>
-            <a:r>
-              <a:rPr lang="en-US" altLang="zh-TW" sz="2000" dirty="0" smtClean="0"/>
-              <a:t>2. </a:t>
-            </a:r>
-            <a:r>
-              <a:rPr lang="zh-TW" altLang="en-US" sz="2000" dirty="0" smtClean="0"/>
-              <a:t>是否將客戶繳款情形列為</a:t>
-            </a:r>
-            <a:r>
-              <a:rPr lang="en-US" altLang="zh-TW" sz="2000" smtClean="0"/>
-              <a:t>label?</a:t>
-            </a:r>
-            <a:endParaRPr lang="en-US" altLang="zh-TW" sz="2000" dirty="0" smtClean="0"/>
-          </a:p>
-        </p:txBody>
-      </p:sp>
     </p:spTree>
     <p:extLst>
       <p:ext uri="{BB962C8B-B14F-4D97-AF65-F5344CB8AC3E}">
@@ -28592,7 +28357,7 @@
           <p:cNvPr id="5" name="標題 1">
             <a:extLst>
               <a:ext uri="{FF2B5EF4-FFF2-40B4-BE49-F238E27FC236}">
-                <a16:creationId xmlns:a16="http://schemas.microsoft.com/office/drawing/2014/main" xmlns="" id="{CFCB40FB-964B-0AD7-7E55-4CC1998753AF}"/>
+                <a16:creationId xmlns:a16="http://schemas.microsoft.com/office/drawing/2014/main" id="{CFCB40FB-964B-0AD7-7E55-4CC1998753AF}"/>
               </a:ext>
             </a:extLst>
           </p:cNvPr>
@@ -28878,7 +28643,7 @@
           <p:cNvPr id="3" name="文字版面配置區 2">
             <a:extLst>
               <a:ext uri="{FF2B5EF4-FFF2-40B4-BE49-F238E27FC236}">
-                <a16:creationId xmlns:a16="http://schemas.microsoft.com/office/drawing/2014/main" xmlns="" id="{D19EF727-EFE0-4B7D-4CD3-46703308D0F5}"/>
+                <a16:creationId xmlns:a16="http://schemas.microsoft.com/office/drawing/2014/main" id="{D19EF727-EFE0-4B7D-4CD3-46703308D0F5}"/>
               </a:ext>
             </a:extLst>
           </p:cNvPr>
@@ -28903,7 +28668,7 @@
           <p:cNvPr id="2" name="標題 1">
             <a:extLst>
               <a:ext uri="{FF2B5EF4-FFF2-40B4-BE49-F238E27FC236}">
-                <a16:creationId xmlns:a16="http://schemas.microsoft.com/office/drawing/2014/main" xmlns="" id="{F0550CC8-D15A-DC6C-A022-10CF8F0B39BB}"/>
+                <a16:creationId xmlns:a16="http://schemas.microsoft.com/office/drawing/2014/main" id="{F0550CC8-D15A-DC6C-A022-10CF8F0B39BB}"/>
               </a:ext>
             </a:extLst>
           </p:cNvPr>
